--- a/Ch16_CSS3布局/16.CSS3布局.pptx
+++ b/Ch16_CSS3布局/16.CSS3布局.pptx
@@ -235,7 +235,7 @@
           <a:p>
             <a:fld id="{D2A48B96-639E-45A3-A0BA-2464DFDB1FAA}" type="datetimeFigureOut">
               <a:rPr lang="zh-CN" altLang="en-US" smtClean="0"/>
-              <a:t>2017/5/19</a:t>
+              <a:t>2017/8/16</a:t>
             </a:fld>
             <a:endParaRPr lang="zh-CN" altLang="en-US"/>
           </a:p>
@@ -2919,7 +2919,7 @@
           <a:p>
             <a:fld id="{1ABFA14F-DE9C-4D83-8C58-D4C03BB9FF78}" type="datetimeFigureOut">
               <a:rPr lang="zh-CN" altLang="en-US" smtClean="0"/>
-              <a:t>2017/5/19</a:t>
+              <a:t>2017/8/16</a:t>
             </a:fld>
             <a:endParaRPr lang="zh-CN" altLang="en-US"/>
           </a:p>
@@ -3044,7 +3044,7 @@
           <a:p>
             <a:fld id="{1ABFA14F-DE9C-4D83-8C58-D4C03BB9FF78}" type="datetimeFigureOut">
               <a:rPr lang="zh-CN" altLang="en-US" smtClean="0"/>
-              <a:t>2017/5/19</a:t>
+              <a:t>2017/8/16</a:t>
             </a:fld>
             <a:endParaRPr lang="zh-CN" altLang="en-US"/>
           </a:p>
@@ -3269,7 +3269,7 @@
           <a:p>
             <a:fld id="{1ABFA14F-DE9C-4D83-8C58-D4C03BB9FF78}" type="datetimeFigureOut">
               <a:rPr lang="zh-CN" altLang="en-US" smtClean="0"/>
-              <a:t>2017/5/19</a:t>
+              <a:t>2017/8/16</a:t>
             </a:fld>
             <a:endParaRPr lang="zh-CN" altLang="en-US"/>
           </a:p>
@@ -3494,7 +3494,7 @@
           <a:p>
             <a:fld id="{1ABFA14F-DE9C-4D83-8C58-D4C03BB9FF78}" type="datetimeFigureOut">
               <a:rPr lang="zh-CN" altLang="en-US" smtClean="0"/>
-              <a:t>2017/5/19</a:t>
+              <a:t>2017/8/16</a:t>
             </a:fld>
             <a:endParaRPr lang="zh-CN" altLang="en-US"/>
           </a:p>
@@ -3719,7 +3719,7 @@
           <a:p>
             <a:fld id="{1ABFA14F-DE9C-4D83-8C58-D4C03BB9FF78}" type="datetimeFigureOut">
               <a:rPr lang="zh-CN" altLang="en-US" smtClean="0"/>
-              <a:t>2017/5/19</a:t>
+              <a:t>2017/8/16</a:t>
             </a:fld>
             <a:endParaRPr lang="zh-CN" altLang="en-US"/>
           </a:p>
@@ -3944,7 +3944,7 @@
           <a:p>
             <a:fld id="{1ABFA14F-DE9C-4D83-8C58-D4C03BB9FF78}" type="datetimeFigureOut">
               <a:rPr lang="zh-CN" altLang="en-US" smtClean="0"/>
-              <a:t>2017/5/19</a:t>
+              <a:t>2017/8/16</a:t>
             </a:fld>
             <a:endParaRPr lang="zh-CN" altLang="en-US"/>
           </a:p>
@@ -4169,7 +4169,7 @@
           <a:p>
             <a:fld id="{1ABFA14F-DE9C-4D83-8C58-D4C03BB9FF78}" type="datetimeFigureOut">
               <a:rPr lang="zh-CN" altLang="en-US" smtClean="0"/>
-              <a:t>2017/5/19</a:t>
+              <a:t>2017/8/16</a:t>
             </a:fld>
             <a:endParaRPr lang="zh-CN" altLang="en-US"/>
           </a:p>
@@ -4394,7 +4394,7 @@
           <a:p>
             <a:fld id="{1ABFA14F-DE9C-4D83-8C58-D4C03BB9FF78}" type="datetimeFigureOut">
               <a:rPr lang="zh-CN" altLang="en-US" smtClean="0"/>
-              <a:t>2017/5/19</a:t>
+              <a:t>2017/8/16</a:t>
             </a:fld>
             <a:endParaRPr lang="zh-CN" altLang="en-US"/>
           </a:p>
@@ -4619,7 +4619,7 @@
           <a:p>
             <a:fld id="{1ABFA14F-DE9C-4D83-8C58-D4C03BB9FF78}" type="datetimeFigureOut">
               <a:rPr lang="zh-CN" altLang="en-US" smtClean="0"/>
-              <a:t>2017/5/19</a:t>
+              <a:t>2017/8/16</a:t>
             </a:fld>
             <a:endParaRPr lang="zh-CN" altLang="en-US"/>
           </a:p>
@@ -4844,7 +4844,7 @@
           <a:p>
             <a:fld id="{1ABFA14F-DE9C-4D83-8C58-D4C03BB9FF78}" type="datetimeFigureOut">
               <a:rPr lang="zh-CN" altLang="en-US" smtClean="0"/>
-              <a:t>2017/5/19</a:t>
+              <a:t>2017/8/16</a:t>
             </a:fld>
             <a:endParaRPr lang="zh-CN" altLang="en-US"/>
           </a:p>
@@ -5069,7 +5069,7 @@
           <a:p>
             <a:fld id="{1ABFA14F-DE9C-4D83-8C58-D4C03BB9FF78}" type="datetimeFigureOut">
               <a:rPr lang="zh-CN" altLang="en-US" smtClean="0"/>
-              <a:t>2017/5/19</a:t>
+              <a:t>2017/8/16</a:t>
             </a:fld>
             <a:endParaRPr lang="zh-CN" altLang="en-US"/>
           </a:p>
@@ -5403,7 +5403,7 @@
           <a:p>
             <a:fld id="{1ABFA14F-DE9C-4D83-8C58-D4C03BB9FF78}" type="datetimeFigureOut">
               <a:rPr lang="zh-CN" altLang="en-US" smtClean="0"/>
-              <a:t>2017/5/19</a:t>
+              <a:t>2017/8/16</a:t>
             </a:fld>
             <a:endParaRPr lang="zh-CN" altLang="en-US"/>
           </a:p>
@@ -5554,7 +5554,7 @@
           <a:p>
             <a:fld id="{1ABFA14F-DE9C-4D83-8C58-D4C03BB9FF78}" type="datetimeFigureOut">
               <a:rPr lang="zh-CN" altLang="en-US" smtClean="0"/>
-              <a:t>2017/5/19</a:t>
+              <a:t>2017/8/16</a:t>
             </a:fld>
             <a:endParaRPr lang="zh-CN" altLang="en-US"/>
           </a:p>
@@ -5779,7 +5779,7 @@
           <a:p>
             <a:fld id="{1ABFA14F-DE9C-4D83-8C58-D4C03BB9FF78}" type="datetimeFigureOut">
               <a:rPr lang="zh-CN" altLang="en-US" smtClean="0"/>
-              <a:t>2017/5/19</a:t>
+              <a:t>2017/8/16</a:t>
             </a:fld>
             <a:endParaRPr lang="zh-CN" altLang="en-US"/>
           </a:p>
@@ -6004,7 +6004,7 @@
           <a:p>
             <a:fld id="{1ABFA14F-DE9C-4D83-8C58-D4C03BB9FF78}" type="datetimeFigureOut">
               <a:rPr lang="zh-CN" altLang="en-US" smtClean="0"/>
-              <a:t>2017/5/19</a:t>
+              <a:t>2017/8/16</a:t>
             </a:fld>
             <a:endParaRPr lang="zh-CN" altLang="en-US"/>
           </a:p>
@@ -6229,7 +6229,7 @@
           <a:p>
             <a:fld id="{1ABFA14F-DE9C-4D83-8C58-D4C03BB9FF78}" type="datetimeFigureOut">
               <a:rPr lang="zh-CN" altLang="en-US" smtClean="0"/>
-              <a:t>2017/5/19</a:t>
+              <a:t>2017/8/16</a:t>
             </a:fld>
             <a:endParaRPr lang="zh-CN" altLang="en-US"/>
           </a:p>
@@ -6454,7 +6454,7 @@
           <a:p>
             <a:fld id="{1ABFA14F-DE9C-4D83-8C58-D4C03BB9FF78}" type="datetimeFigureOut">
               <a:rPr lang="zh-CN" altLang="en-US" smtClean="0"/>
-              <a:t>2017/5/19</a:t>
+              <a:t>2017/8/16</a:t>
             </a:fld>
             <a:endParaRPr lang="zh-CN" altLang="en-US"/>
           </a:p>
@@ -6679,7 +6679,7 @@
           <a:p>
             <a:fld id="{1ABFA14F-DE9C-4D83-8C58-D4C03BB9FF78}" type="datetimeFigureOut">
               <a:rPr lang="zh-CN" altLang="en-US" smtClean="0"/>
-              <a:t>2017/5/19</a:t>
+              <a:t>2017/8/16</a:t>
             </a:fld>
             <a:endParaRPr lang="zh-CN" altLang="en-US"/>
           </a:p>
@@ -6904,7 +6904,7 @@
           <a:p>
             <a:fld id="{1ABFA14F-DE9C-4D83-8C58-D4C03BB9FF78}" type="datetimeFigureOut">
               <a:rPr lang="zh-CN" altLang="en-US" smtClean="0"/>
-              <a:t>2017/5/19</a:t>
+              <a:t>2017/8/16</a:t>
             </a:fld>
             <a:endParaRPr lang="zh-CN" altLang="en-US"/>
           </a:p>
@@ -7129,7 +7129,7 @@
           <a:p>
             <a:fld id="{1ABFA14F-DE9C-4D83-8C58-D4C03BB9FF78}" type="datetimeFigureOut">
               <a:rPr lang="zh-CN" altLang="en-US" smtClean="0"/>
-              <a:t>2017/5/19</a:t>
+              <a:t>2017/8/16</a:t>
             </a:fld>
             <a:endParaRPr lang="zh-CN" altLang="en-US"/>
           </a:p>
@@ -7354,7 +7354,7 @@
           <a:p>
             <a:fld id="{1ABFA14F-DE9C-4D83-8C58-D4C03BB9FF78}" type="datetimeFigureOut">
               <a:rPr lang="zh-CN" altLang="en-US" smtClean="0"/>
-              <a:t>2017/5/19</a:t>
+              <a:t>2017/8/16</a:t>
             </a:fld>
             <a:endParaRPr lang="zh-CN" altLang="en-US"/>
           </a:p>
@@ -7579,7 +7579,7 @@
           <a:p>
             <a:fld id="{1ABFA14F-DE9C-4D83-8C58-D4C03BB9FF78}" type="datetimeFigureOut">
               <a:rPr lang="zh-CN" altLang="en-US" smtClean="0"/>
-              <a:t>2017/5/19</a:t>
+              <a:t>2017/8/16</a:t>
             </a:fld>
             <a:endParaRPr lang="zh-CN" altLang="en-US"/>
           </a:p>
@@ -7907,7 +7907,7 @@
           <a:p>
             <a:fld id="{1ABFA14F-DE9C-4D83-8C58-D4C03BB9FF78}" type="datetimeFigureOut">
               <a:rPr lang="zh-CN" altLang="en-US" smtClean="0"/>
-              <a:t>2017/5/19</a:t>
+              <a:t>2017/8/16</a:t>
             </a:fld>
             <a:endParaRPr lang="zh-CN" altLang="en-US"/>
           </a:p>
@@ -8004,7 +8004,7 @@
           <a:p>
             <a:fld id="{1ABFA14F-DE9C-4D83-8C58-D4C03BB9FF78}" type="datetimeFigureOut">
               <a:rPr lang="zh-CN" altLang="en-US" smtClean="0"/>
-              <a:t>2017/5/19</a:t>
+              <a:t>2017/8/16</a:t>
             </a:fld>
             <a:endParaRPr lang="zh-CN" altLang="en-US"/>
           </a:p>
@@ -8229,7 +8229,7 @@
           <a:p>
             <a:fld id="{1ABFA14F-DE9C-4D83-8C58-D4C03BB9FF78}" type="datetimeFigureOut">
               <a:rPr lang="zh-CN" altLang="en-US" smtClean="0"/>
-              <a:t>2017/5/19</a:t>
+              <a:t>2017/8/16</a:t>
             </a:fld>
             <a:endParaRPr lang="zh-CN" altLang="en-US"/>
           </a:p>
@@ -8454,7 +8454,7 @@
           <a:p>
             <a:fld id="{1ABFA14F-DE9C-4D83-8C58-D4C03BB9FF78}" type="datetimeFigureOut">
               <a:rPr lang="zh-CN" altLang="en-US" smtClean="0"/>
-              <a:t>2017/5/19</a:t>
+              <a:t>2017/8/16</a:t>
             </a:fld>
             <a:endParaRPr lang="zh-CN" altLang="en-US"/>
           </a:p>
@@ -8679,7 +8679,7 @@
           <a:p>
             <a:fld id="{1ABFA14F-DE9C-4D83-8C58-D4C03BB9FF78}" type="datetimeFigureOut">
               <a:rPr lang="zh-CN" altLang="en-US" smtClean="0"/>
-              <a:t>2017/5/19</a:t>
+              <a:t>2017/8/16</a:t>
             </a:fld>
             <a:endParaRPr lang="zh-CN" altLang="en-US"/>
           </a:p>
@@ -8904,7 +8904,7 @@
           <a:p>
             <a:fld id="{1ABFA14F-DE9C-4D83-8C58-D4C03BB9FF78}" type="datetimeFigureOut">
               <a:rPr lang="zh-CN" altLang="en-US" smtClean="0"/>
-              <a:t>2017/5/19</a:t>
+              <a:t>2017/8/16</a:t>
             </a:fld>
             <a:endParaRPr lang="zh-CN" altLang="en-US"/>
           </a:p>
@@ -9129,7 +9129,7 @@
           <a:p>
             <a:fld id="{1ABFA14F-DE9C-4D83-8C58-D4C03BB9FF78}" type="datetimeFigureOut">
               <a:rPr lang="zh-CN" altLang="en-US" smtClean="0"/>
-              <a:t>2017/5/19</a:t>
+              <a:t>2017/8/16</a:t>
             </a:fld>
             <a:endParaRPr lang="zh-CN" altLang="en-US"/>
           </a:p>
@@ -9354,7 +9354,7 @@
           <a:p>
             <a:fld id="{1ABFA14F-DE9C-4D83-8C58-D4C03BB9FF78}" type="datetimeFigureOut">
               <a:rPr lang="zh-CN" altLang="en-US" smtClean="0"/>
-              <a:t>2017/5/19</a:t>
+              <a:t>2017/8/16</a:t>
             </a:fld>
             <a:endParaRPr lang="zh-CN" altLang="en-US"/>
           </a:p>
@@ -9579,7 +9579,7 @@
           <a:p>
             <a:fld id="{1ABFA14F-DE9C-4D83-8C58-D4C03BB9FF78}" type="datetimeFigureOut">
               <a:rPr lang="zh-CN" altLang="en-US" smtClean="0"/>
-              <a:t>2017/5/19</a:t>
+              <a:t>2017/8/16</a:t>
             </a:fld>
             <a:endParaRPr lang="zh-CN" altLang="en-US"/>
           </a:p>
@@ -10050,7 +10050,7 @@
           <a:p>
             <a:fld id="{1ABFA14F-DE9C-4D83-8C58-D4C03BB9FF78}" type="datetimeFigureOut">
               <a:rPr lang="zh-CN" altLang="en-US" smtClean="0"/>
-              <a:t>2017/5/19</a:t>
+              <a:t>2017/8/16</a:t>
             </a:fld>
             <a:endParaRPr lang="zh-CN" altLang="en-US"/>
           </a:p>
@@ -10555,7 +10555,7 @@
           <a:p>
             <a:fld id="{1ABFA14F-DE9C-4D83-8C58-D4C03BB9FF78}" type="datetimeFigureOut">
               <a:rPr lang="zh-CN" altLang="en-US" smtClean="0"/>
-              <a:t>2017/5/19</a:t>
+              <a:t>2017/8/16</a:t>
             </a:fld>
             <a:endParaRPr lang="zh-CN" altLang="en-US"/>
           </a:p>
@@ -10855,7 +10855,7 @@
           <a:p>
             <a:fld id="{1ABFA14F-DE9C-4D83-8C58-D4C03BB9FF78}" type="datetimeFigureOut">
               <a:rPr lang="zh-CN" altLang="en-US" smtClean="0"/>
-              <a:t>2017/5/19</a:t>
+              <a:t>2017/8/16</a:t>
             </a:fld>
             <a:endParaRPr lang="zh-CN" altLang="en-US"/>
           </a:p>
@@ -10980,7 +10980,7 @@
           <a:p>
             <a:fld id="{1ABFA14F-DE9C-4D83-8C58-D4C03BB9FF78}" type="datetimeFigureOut">
               <a:rPr lang="zh-CN" altLang="en-US" smtClean="0"/>
-              <a:t>2017/5/19</a:t>
+              <a:t>2017/8/16</a:t>
             </a:fld>
             <a:endParaRPr lang="zh-CN" altLang="en-US"/>
           </a:p>
@@ -11247,7 +11247,7 @@
           <a:p>
             <a:fld id="{1ABFA14F-DE9C-4D83-8C58-D4C03BB9FF78}" type="datetimeFigureOut">
               <a:rPr lang="zh-CN" altLang="en-US" smtClean="0"/>
-              <a:t>2017/5/19</a:t>
+              <a:t>2017/8/16</a:t>
             </a:fld>
             <a:endParaRPr lang="zh-CN" altLang="en-US"/>
           </a:p>
@@ -11452,7 +11452,7 @@
           <a:p>
             <a:fld id="{1ABFA14F-DE9C-4D83-8C58-D4C03BB9FF78}" type="datetimeFigureOut">
               <a:rPr lang="zh-CN" altLang="en-US" smtClean="0"/>
-              <a:t>2017/5/19</a:t>
+              <a:t>2017/8/16</a:t>
             </a:fld>
             <a:endParaRPr lang="zh-CN" altLang="en-US"/>
           </a:p>
@@ -11763,7 +11763,7 @@
           <a:p>
             <a:fld id="{1ABFA14F-DE9C-4D83-8C58-D4C03BB9FF78}" type="datetimeFigureOut">
               <a:rPr lang="zh-CN" altLang="en-US" smtClean="0"/>
-              <a:t>2017/5/19</a:t>
+              <a:t>2017/8/16</a:t>
             </a:fld>
             <a:endParaRPr lang="zh-CN" altLang="en-US"/>
           </a:p>
@@ -12558,36 +12558,6 @@
           </a:extLst>
         </p:spPr>
       </p:pic>
-      <p:sp>
-        <p:nvSpPr>
-          <p:cNvPr id="4" name="矩形 3"/>
-          <p:cNvSpPr/>
-          <p:nvPr/>
-        </p:nvSpPr>
-        <p:spPr>
-          <a:xfrm>
-            <a:off x="9774451" y="5025750"/>
-            <a:ext cx="2417549" cy="369332"/>
-          </a:xfrm>
-          <a:prstGeom prst="rect">
-            <a:avLst/>
-          </a:prstGeom>
-        </p:spPr>
-        <p:txBody>
-          <a:bodyPr wrap="square">
-            <a:spAutoFit/>
-          </a:bodyPr>
-          <a:lstStyle/>
-          <a:p>
-            <a:pPr algn="ctr"/>
-            <a:r>
-              <a:rPr lang="en-US" altLang="zh-CN" dirty="0" smtClean="0"/>
-              <a:t>Demo-11-1</a:t>
-            </a:r>
-            <a:endParaRPr lang="zh-CN" altLang="en-US" dirty="0"/>
-          </a:p>
-        </p:txBody>
-      </p:sp>
     </p:spTree>
     <p:custDataLst>
       <p:tags r:id="rId1"/>
@@ -13026,36 +12996,6 @@
               <a:t>练习</a:t>
             </a:r>
             <a:endParaRPr lang="zh-CN" altLang="en-US" sz="4000" dirty="0"/>
-          </a:p>
-        </p:txBody>
-      </p:sp>
-      <p:sp>
-        <p:nvSpPr>
-          <p:cNvPr id="3" name="矩形 2"/>
-          <p:cNvSpPr/>
-          <p:nvPr/>
-        </p:nvSpPr>
-        <p:spPr>
-          <a:xfrm>
-            <a:off x="9670877" y="5625825"/>
-            <a:ext cx="2417549" cy="369332"/>
-          </a:xfrm>
-          <a:prstGeom prst="rect">
-            <a:avLst/>
-          </a:prstGeom>
-        </p:spPr>
-        <p:txBody>
-          <a:bodyPr wrap="square">
-            <a:spAutoFit/>
-          </a:bodyPr>
-          <a:lstStyle/>
-          <a:p>
-            <a:pPr algn="ctr"/>
-            <a:r>
-              <a:rPr lang="en-US" altLang="zh-CN" dirty="0" smtClean="0"/>
-              <a:t>Demo-11-2</a:t>
-            </a:r>
-            <a:endParaRPr lang="zh-CN" altLang="en-US" dirty="0"/>
           </a:p>
         </p:txBody>
       </p:sp>
@@ -13600,44 +13540,6 @@
           </a:p>
         </p:txBody>
       </p:sp>
-      <p:sp>
-        <p:nvSpPr>
-          <p:cNvPr id="5" name="矩形 4"/>
-          <p:cNvSpPr/>
-          <p:nvPr/>
-        </p:nvSpPr>
-        <p:spPr>
-          <a:xfrm>
-            <a:off x="9599440" y="5637157"/>
-            <a:ext cx="2417549" cy="369332"/>
-          </a:xfrm>
-          <a:prstGeom prst="rect">
-            <a:avLst/>
-          </a:prstGeom>
-        </p:spPr>
-        <p:txBody>
-          <a:bodyPr wrap="square">
-            <a:spAutoFit/>
-          </a:bodyPr>
-          <a:lstStyle/>
-          <a:p>
-            <a:pPr algn="ctr"/>
-            <a:r>
-              <a:rPr lang="en-US" altLang="zh-CN" dirty="0" smtClean="0">
-                <a:solidFill>
-                  <a:srgbClr val="C00000"/>
-                </a:solidFill>
-              </a:rPr>
-              <a:t>Demo-11-3</a:t>
-            </a:r>
-            <a:endParaRPr lang="zh-CN" altLang="en-US" dirty="0">
-              <a:solidFill>
-                <a:srgbClr val="C00000"/>
-              </a:solidFill>
-            </a:endParaRPr>
-          </a:p>
-        </p:txBody>
-      </p:sp>
       <p:pic>
         <p:nvPicPr>
           <p:cNvPr id="6" name="Picture 1"/>
@@ -13755,36 +13657,6 @@
               <a:t>练习</a:t>
             </a:r>
             <a:endParaRPr lang="zh-CN" altLang="en-US" sz="4000" dirty="0"/>
-          </a:p>
-        </p:txBody>
-      </p:sp>
-      <p:sp>
-        <p:nvSpPr>
-          <p:cNvPr id="3" name="矩形 2"/>
-          <p:cNvSpPr/>
-          <p:nvPr/>
-        </p:nvSpPr>
-        <p:spPr>
-          <a:xfrm>
-            <a:off x="9670877" y="5625825"/>
-            <a:ext cx="2417549" cy="369332"/>
-          </a:xfrm>
-          <a:prstGeom prst="rect">
-            <a:avLst/>
-          </a:prstGeom>
-        </p:spPr>
-        <p:txBody>
-          <a:bodyPr wrap="square">
-            <a:spAutoFit/>
-          </a:bodyPr>
-          <a:lstStyle/>
-          <a:p>
-            <a:pPr algn="ctr"/>
-            <a:r>
-              <a:rPr lang="en-US" altLang="zh-CN" dirty="0" smtClean="0"/>
-              <a:t>Demo-11-4</a:t>
-            </a:r>
-            <a:endParaRPr lang="zh-CN" altLang="en-US" dirty="0"/>
           </a:p>
         </p:txBody>
       </p:sp>
